--- a/BME590 Design Review Aniruddh Ashwin.pptx
+++ b/BME590 Design Review Aniruddh Ashwin.pptx
@@ -217,7 +217,7 @@
           <a:p>
             <a:fld id="{4D42995D-7B9D-4115-9196-ED200E7E9E7B}" type="datetimeFigureOut">
               <a:rPr lang="en-US" smtClean="0"/>
-              <a:t>10/19/2016</a:t>
+              <a:t>10/23/2016</a:t>
             </a:fld>
             <a:endParaRPr lang="en-US"/>
           </a:p>
@@ -1103,7 +1103,7 @@
           <a:p>
             <a:fld id="{01F82402-C077-4989-8440-99606D5751CF}" type="datetime1">
               <a:rPr lang="en-US" smtClean="0"/>
-              <a:t>10/19/2016</a:t>
+              <a:t>10/23/2016</a:t>
             </a:fld>
             <a:endParaRPr lang="en-US"/>
           </a:p>
@@ -1274,7 +1274,7 @@
           <a:p>
             <a:fld id="{AAB1F5F7-EC99-4D2F-9000-0C7FB640F14C}" type="datetime1">
               <a:rPr lang="en-US" smtClean="0"/>
-              <a:t>10/19/2016</a:t>
+              <a:t>10/23/2016</a:t>
             </a:fld>
             <a:endParaRPr lang="en-US"/>
           </a:p>
@@ -1455,7 +1455,7 @@
           <a:p>
             <a:fld id="{8938F5C7-473A-40BF-9A41-42F94FAF2A84}" type="datetime1">
               <a:rPr lang="en-US" smtClean="0"/>
-              <a:t>10/19/2016</a:t>
+              <a:t>10/23/2016</a:t>
             </a:fld>
             <a:endParaRPr lang="en-US"/>
           </a:p>
@@ -1626,7 +1626,7 @@
           <a:p>
             <a:fld id="{449BD9CC-0CAE-4CC9-B852-3F1CBD0FCE05}" type="datetime1">
               <a:rPr lang="en-US" smtClean="0"/>
-              <a:t>10/19/2016</a:t>
+              <a:t>10/23/2016</a:t>
             </a:fld>
             <a:endParaRPr lang="en-US"/>
           </a:p>
@@ -1875,7 +1875,7 @@
           <a:p>
             <a:fld id="{BF4E28FA-63CD-4976-B093-5564B097EE0D}" type="datetime1">
               <a:rPr lang="en-US" smtClean="0"/>
-              <a:t>10/19/2016</a:t>
+              <a:t>10/23/2016</a:t>
             </a:fld>
             <a:endParaRPr lang="en-US"/>
           </a:p>
@@ -2163,7 +2163,7 @@
           <a:p>
             <a:fld id="{A06667D5-90D3-4E82-A79A-8681FF8215CB}" type="datetime1">
               <a:rPr lang="en-US" smtClean="0"/>
-              <a:t>10/19/2016</a:t>
+              <a:t>10/23/2016</a:t>
             </a:fld>
             <a:endParaRPr lang="en-US"/>
           </a:p>
@@ -2585,7 +2585,7 @@
           <a:p>
             <a:fld id="{5FAFFD3F-F8BB-48D6-85F8-A09AFE277A4D}" type="datetime1">
               <a:rPr lang="en-US" smtClean="0"/>
-              <a:t>10/19/2016</a:t>
+              <a:t>10/23/2016</a:t>
             </a:fld>
             <a:endParaRPr lang="en-US"/>
           </a:p>
@@ -2705,7 +2705,7 @@
           <a:p>
             <a:fld id="{262079D9-2942-4039-A7BB-2F97A2718D66}" type="datetime1">
               <a:rPr lang="en-US" smtClean="0"/>
-              <a:t>10/19/2016</a:t>
+              <a:t>10/23/2016</a:t>
             </a:fld>
             <a:endParaRPr lang="en-US"/>
           </a:p>
@@ -2803,7 +2803,7 @@
           <a:p>
             <a:fld id="{6981E897-6F38-47B2-93E0-678D6DF09E11}" type="datetime1">
               <a:rPr lang="en-US" smtClean="0"/>
-              <a:t>10/19/2016</a:t>
+              <a:t>10/23/2016</a:t>
             </a:fld>
             <a:endParaRPr lang="en-US"/>
           </a:p>
@@ -3081,7 +3081,7 @@
           <a:p>
             <a:fld id="{DD1C104C-8CE3-4CD2-A5A4-C69180A4DEF9}" type="datetime1">
               <a:rPr lang="en-US" smtClean="0"/>
-              <a:t>10/19/2016</a:t>
+              <a:t>10/23/2016</a:t>
             </a:fld>
             <a:endParaRPr lang="en-US"/>
           </a:p>
@@ -3336,7 +3336,7 @@
           <a:p>
             <a:fld id="{00CC2F14-9BCC-4CE8-84E9-7C366AC6EC93}" type="datetime1">
               <a:rPr lang="en-US" smtClean="0"/>
-              <a:t>10/19/2016</a:t>
+              <a:t>10/23/2016</a:t>
             </a:fld>
             <a:endParaRPr lang="en-US"/>
           </a:p>
@@ -3550,7 +3550,7 @@
           <a:p>
             <a:fld id="{3D866E8B-5F85-4E4F-88CB-A07F8E534AD8}" type="datetime1">
               <a:rPr lang="en-US" smtClean="0"/>
-              <a:t>10/19/2016</a:t>
+              <a:t>10/23/2016</a:t>
             </a:fld>
             <a:endParaRPr lang="en-US"/>
           </a:p>
@@ -8962,7 +8962,7 @@
             <p:ph idx="1"/>
             <p:extLst>
               <p:ext uri="{D42A27DB-BD31-4B8C-83A1-F6EECF244321}">
-                <p14:modId xmlns:p14="http://schemas.microsoft.com/office/powerpoint/2010/main" val="2929620533"/>
+                <p14:modId xmlns:p14="http://schemas.microsoft.com/office/powerpoint/2010/main" val="1419086469"/>
               </p:ext>
             </p:extLst>
           </p:nvPr>
@@ -9153,7 +9153,7 @@
                     <a:p>
                       <a:r>
                         <a:rPr lang="en-US" dirty="0"/>
-                        <a:t>0.2644 µV</a:t>
+                        <a:t>0.3811 µV</a:t>
                       </a:r>
                       <a:r>
                         <a:rPr lang="en-US" baseline="0" dirty="0"/>
@@ -9485,7 +9485,7 @@
                     <a:p>
                       <a:r>
                         <a:rPr lang="en-US" dirty="0"/>
-                        <a:t>147 µA at 3V</a:t>
+                        <a:t>173.66 µA at 3V</a:t>
                       </a:r>
                       <a:r>
                         <a:rPr lang="en-US" baseline="0" dirty="0"/>
@@ -9648,7 +9648,7 @@
                     <a:p>
                       <a:r>
                         <a:rPr lang="en-US" dirty="0"/>
-                        <a:t>0.457 µA</a:t>
+                        <a:t>0.679 µA</a:t>
                       </a:r>
                     </a:p>
                   </a:txBody>

--- a/BME590 Design Review Aniruddh Ashwin.pptx
+++ b/BME590 Design Review Aniruddh Ashwin.pptx
@@ -217,7 +217,7 @@
           <a:p>
             <a:fld id="{4D42995D-7B9D-4115-9196-ED200E7E9E7B}" type="datetimeFigureOut">
               <a:rPr lang="en-US" smtClean="0"/>
-              <a:t>10/23/2016</a:t>
+              <a:t>10/24/2016</a:t>
             </a:fld>
             <a:endParaRPr lang="en-US"/>
           </a:p>
@@ -1103,7 +1103,7 @@
           <a:p>
             <a:fld id="{01F82402-C077-4989-8440-99606D5751CF}" type="datetime1">
               <a:rPr lang="en-US" smtClean="0"/>
-              <a:t>10/23/2016</a:t>
+              <a:t>10/24/2016</a:t>
             </a:fld>
             <a:endParaRPr lang="en-US"/>
           </a:p>
@@ -1274,7 +1274,7 @@
           <a:p>
             <a:fld id="{AAB1F5F7-EC99-4D2F-9000-0C7FB640F14C}" type="datetime1">
               <a:rPr lang="en-US" smtClean="0"/>
-              <a:t>10/23/2016</a:t>
+              <a:t>10/24/2016</a:t>
             </a:fld>
             <a:endParaRPr lang="en-US"/>
           </a:p>
@@ -1455,7 +1455,7 @@
           <a:p>
             <a:fld id="{8938F5C7-473A-40BF-9A41-42F94FAF2A84}" type="datetime1">
               <a:rPr lang="en-US" smtClean="0"/>
-              <a:t>10/23/2016</a:t>
+              <a:t>10/24/2016</a:t>
             </a:fld>
             <a:endParaRPr lang="en-US"/>
           </a:p>
@@ -1626,7 +1626,7 @@
           <a:p>
             <a:fld id="{449BD9CC-0CAE-4CC9-B852-3F1CBD0FCE05}" type="datetime1">
               <a:rPr lang="en-US" smtClean="0"/>
-              <a:t>10/23/2016</a:t>
+              <a:t>10/24/2016</a:t>
             </a:fld>
             <a:endParaRPr lang="en-US"/>
           </a:p>
@@ -1875,7 +1875,7 @@
           <a:p>
             <a:fld id="{BF4E28FA-63CD-4976-B093-5564B097EE0D}" type="datetime1">
               <a:rPr lang="en-US" smtClean="0"/>
-              <a:t>10/23/2016</a:t>
+              <a:t>10/24/2016</a:t>
             </a:fld>
             <a:endParaRPr lang="en-US"/>
           </a:p>
@@ -2163,7 +2163,7 @@
           <a:p>
             <a:fld id="{A06667D5-90D3-4E82-A79A-8681FF8215CB}" type="datetime1">
               <a:rPr lang="en-US" smtClean="0"/>
-              <a:t>10/23/2016</a:t>
+              <a:t>10/24/2016</a:t>
             </a:fld>
             <a:endParaRPr lang="en-US"/>
           </a:p>
@@ -2585,7 +2585,7 @@
           <a:p>
             <a:fld id="{5FAFFD3F-F8BB-48D6-85F8-A09AFE277A4D}" type="datetime1">
               <a:rPr lang="en-US" smtClean="0"/>
-              <a:t>10/23/2016</a:t>
+              <a:t>10/24/2016</a:t>
             </a:fld>
             <a:endParaRPr lang="en-US"/>
           </a:p>
@@ -2705,7 +2705,7 @@
           <a:p>
             <a:fld id="{262079D9-2942-4039-A7BB-2F97A2718D66}" type="datetime1">
               <a:rPr lang="en-US" smtClean="0"/>
-              <a:t>10/23/2016</a:t>
+              <a:t>10/24/2016</a:t>
             </a:fld>
             <a:endParaRPr lang="en-US"/>
           </a:p>
@@ -2803,7 +2803,7 @@
           <a:p>
             <a:fld id="{6981E897-6F38-47B2-93E0-678D6DF09E11}" type="datetime1">
               <a:rPr lang="en-US" smtClean="0"/>
-              <a:t>10/23/2016</a:t>
+              <a:t>10/24/2016</a:t>
             </a:fld>
             <a:endParaRPr lang="en-US"/>
           </a:p>
@@ -3081,7 +3081,7 @@
           <a:p>
             <a:fld id="{DD1C104C-8CE3-4CD2-A5A4-C69180A4DEF9}" type="datetime1">
               <a:rPr lang="en-US" smtClean="0"/>
-              <a:t>10/23/2016</a:t>
+              <a:t>10/24/2016</a:t>
             </a:fld>
             <a:endParaRPr lang="en-US"/>
           </a:p>
@@ -3336,7 +3336,7 @@
           <a:p>
             <a:fld id="{00CC2F14-9BCC-4CE8-84E9-7C366AC6EC93}" type="datetime1">
               <a:rPr lang="en-US" smtClean="0"/>
-              <a:t>10/23/2016</a:t>
+              <a:t>10/24/2016</a:t>
             </a:fld>
             <a:endParaRPr lang="en-US"/>
           </a:p>
@@ -3550,7 +3550,7 @@
           <a:p>
             <a:fld id="{3D866E8B-5F85-4E4F-88CB-A07F8E534AD8}" type="datetime1">
               <a:rPr lang="en-US" smtClean="0"/>
-              <a:t>10/23/2016</a:t>
+              <a:t>10/24/2016</a:t>
             </a:fld>
             <a:endParaRPr lang="en-US"/>
           </a:p>

--- a/BME590 Design Review Aniruddh Ashwin.pptx
+++ b/BME590 Design Review Aniruddh Ashwin.pptx
@@ -8962,7 +8962,7 @@
             <p:ph idx="1"/>
             <p:extLst>
               <p:ext uri="{D42A27DB-BD31-4B8C-83A1-F6EECF244321}">
-                <p14:modId xmlns:p14="http://schemas.microsoft.com/office/powerpoint/2010/main" val="1419086469"/>
+                <p14:modId xmlns:p14="http://schemas.microsoft.com/office/powerpoint/2010/main" val="3025034364"/>
               </p:ext>
             </p:extLst>
           </p:nvPr>
@@ -9597,7 +9597,7 @@
                     <a:p>
                       <a:r>
                         <a:rPr lang="en-US" dirty="0"/>
-                        <a:t>10 M</a:t>
+                        <a:t>4.02 G</a:t>
                       </a:r>
                       <a:r>
                         <a:rPr lang="el-GR" dirty="0"/>
@@ -9648,7 +9648,7 @@
                     <a:p>
                       <a:r>
                         <a:rPr lang="en-US" dirty="0"/>
-                        <a:t>0.679 µA</a:t>
+                        <a:t>0.667 µA</a:t>
                       </a:r>
                     </a:p>
                   </a:txBody>
